--- a/Speech_to_Text Model(STT).pptx
+++ b/Speech_to_Text Model(STT).pptx
@@ -6,16 +6,18 @@
   </p:sldMasterIdLst>
   <p:sldIdLst>
     <p:sldId id="263" r:id="rId2"/>
-    <p:sldId id="264" r:id="rId3"/>
-    <p:sldId id="265" r:id="rId4"/>
-    <p:sldId id="267" r:id="rId5"/>
-    <p:sldId id="256" r:id="rId6"/>
-    <p:sldId id="269" r:id="rId7"/>
-    <p:sldId id="262" r:id="rId8"/>
-    <p:sldId id="261" r:id="rId9"/>
-    <p:sldId id="268" r:id="rId10"/>
-    <p:sldId id="272" r:id="rId11"/>
-    <p:sldId id="270" r:id="rId12"/>
+    <p:sldId id="273" r:id="rId3"/>
+    <p:sldId id="274" r:id="rId4"/>
+    <p:sldId id="264" r:id="rId5"/>
+    <p:sldId id="265" r:id="rId6"/>
+    <p:sldId id="267" r:id="rId7"/>
+    <p:sldId id="256" r:id="rId8"/>
+    <p:sldId id="269" r:id="rId9"/>
+    <p:sldId id="262" r:id="rId10"/>
+    <p:sldId id="261" r:id="rId11"/>
+    <p:sldId id="268" r:id="rId12"/>
+    <p:sldId id="272" r:id="rId13"/>
+    <p:sldId id="270" r:id="rId14"/>
   </p:sldIdLst>
   <p:sldSz cx="12192000" cy="6858000"/>
   <p:notesSz cx="6858000" cy="9144000"/>
@@ -271,7 +273,7 @@
           <a:p>
             <a:fld id="{A2ABD3F1-2A15-4090-81A0-E14FCA2B1168}" type="datetimeFigureOut">
               <a:rPr lang="en-IN" smtClean="0"/>
-              <a:t>25-01-2019</a:t>
+              <a:t>26-03-2019</a:t>
             </a:fld>
             <a:endParaRPr lang="en-IN"/>
           </a:p>
@@ -471,7 +473,7 @@
           <a:p>
             <a:fld id="{A2ABD3F1-2A15-4090-81A0-E14FCA2B1168}" type="datetimeFigureOut">
               <a:rPr lang="en-IN" smtClean="0"/>
-              <a:t>25-01-2019</a:t>
+              <a:t>26-03-2019</a:t>
             </a:fld>
             <a:endParaRPr lang="en-IN"/>
           </a:p>
@@ -681,7 +683,7 @@
           <a:p>
             <a:fld id="{A2ABD3F1-2A15-4090-81A0-E14FCA2B1168}" type="datetimeFigureOut">
               <a:rPr lang="en-IN" smtClean="0"/>
-              <a:t>25-01-2019</a:t>
+              <a:t>26-03-2019</a:t>
             </a:fld>
             <a:endParaRPr lang="en-IN"/>
           </a:p>
@@ -881,7 +883,7 @@
           <a:p>
             <a:fld id="{A2ABD3F1-2A15-4090-81A0-E14FCA2B1168}" type="datetimeFigureOut">
               <a:rPr lang="en-IN" smtClean="0"/>
-              <a:t>25-01-2019</a:t>
+              <a:t>26-03-2019</a:t>
             </a:fld>
             <a:endParaRPr lang="en-IN"/>
           </a:p>
@@ -1157,7 +1159,7 @@
           <a:p>
             <a:fld id="{A2ABD3F1-2A15-4090-81A0-E14FCA2B1168}" type="datetimeFigureOut">
               <a:rPr lang="en-IN" smtClean="0"/>
-              <a:t>25-01-2019</a:t>
+              <a:t>26-03-2019</a:t>
             </a:fld>
             <a:endParaRPr lang="en-IN"/>
           </a:p>
@@ -1425,7 +1427,7 @@
           <a:p>
             <a:fld id="{A2ABD3F1-2A15-4090-81A0-E14FCA2B1168}" type="datetimeFigureOut">
               <a:rPr lang="en-IN" smtClean="0"/>
-              <a:t>25-01-2019</a:t>
+              <a:t>26-03-2019</a:t>
             </a:fld>
             <a:endParaRPr lang="en-IN"/>
           </a:p>
@@ -1840,7 +1842,7 @@
           <a:p>
             <a:fld id="{A2ABD3F1-2A15-4090-81A0-E14FCA2B1168}" type="datetimeFigureOut">
               <a:rPr lang="en-IN" smtClean="0"/>
-              <a:t>25-01-2019</a:t>
+              <a:t>26-03-2019</a:t>
             </a:fld>
             <a:endParaRPr lang="en-IN"/>
           </a:p>
@@ -1982,7 +1984,7 @@
           <a:p>
             <a:fld id="{A2ABD3F1-2A15-4090-81A0-E14FCA2B1168}" type="datetimeFigureOut">
               <a:rPr lang="en-IN" smtClean="0"/>
-              <a:t>25-01-2019</a:t>
+              <a:t>26-03-2019</a:t>
             </a:fld>
             <a:endParaRPr lang="en-IN"/>
           </a:p>
@@ -2095,7 +2097,7 @@
           <a:p>
             <a:fld id="{A2ABD3F1-2A15-4090-81A0-E14FCA2B1168}" type="datetimeFigureOut">
               <a:rPr lang="en-IN" smtClean="0"/>
-              <a:t>25-01-2019</a:t>
+              <a:t>26-03-2019</a:t>
             </a:fld>
             <a:endParaRPr lang="en-IN"/>
           </a:p>
@@ -2408,7 +2410,7 @@
           <a:p>
             <a:fld id="{A2ABD3F1-2A15-4090-81A0-E14FCA2B1168}" type="datetimeFigureOut">
               <a:rPr lang="en-IN" smtClean="0"/>
-              <a:t>25-01-2019</a:t>
+              <a:t>26-03-2019</a:t>
             </a:fld>
             <a:endParaRPr lang="en-IN"/>
           </a:p>
@@ -2697,7 +2699,7 @@
           <a:p>
             <a:fld id="{A2ABD3F1-2A15-4090-81A0-E14FCA2B1168}" type="datetimeFigureOut">
               <a:rPr lang="en-IN" smtClean="0"/>
-              <a:t>25-01-2019</a:t>
+              <a:t>26-03-2019</a:t>
             </a:fld>
             <a:endParaRPr lang="en-IN"/>
           </a:p>
@@ -2940,7 +2942,7 @@
           <a:p>
             <a:fld id="{A2ABD3F1-2A15-4090-81A0-E14FCA2B1168}" type="datetimeFigureOut">
               <a:rPr lang="en-IN" smtClean="0"/>
-              <a:t>25-01-2019</a:t>
+              <a:t>26-03-2019</a:t>
             </a:fld>
             <a:endParaRPr lang="en-IN"/>
           </a:p>
@@ -3646,6 +3648,348 @@
           <a:chExt cx="0" cy="0"/>
         </a:xfrm>
       </p:grpSpPr>
+      <p:pic>
+        <p:nvPicPr>
+          <p:cNvPr id="2" name="Picture 1">
+            <a:extLst>
+              <a:ext uri="{FF2B5EF4-FFF2-40B4-BE49-F238E27FC236}">
+                <a16:creationId xmlns:a16="http://schemas.microsoft.com/office/drawing/2014/main" id="{50A2AFBC-4CD8-4216-8EEF-5CFFF4CA2780}"/>
+              </a:ext>
+            </a:extLst>
+          </p:cNvPr>
+          <p:cNvPicPr>
+            <a:picLocks noChangeAspect="1"/>
+          </p:cNvPicPr>
+          <p:nvPr/>
+        </p:nvPicPr>
+        <p:blipFill>
+          <a:blip r:embed="rId2"/>
+          <a:stretch>
+            <a:fillRect/>
+          </a:stretch>
+        </p:blipFill>
+        <p:spPr>
+          <a:xfrm>
+            <a:off x="2461425" y="1836392"/>
+            <a:ext cx="8272688" cy="4656483"/>
+          </a:xfrm>
+          <a:prstGeom prst="rect">
+            <a:avLst/>
+          </a:prstGeom>
+        </p:spPr>
+      </p:pic>
+      <p:sp>
+        <p:nvSpPr>
+          <p:cNvPr id="3" name="Title 1">
+            <a:extLst>
+              <a:ext uri="{FF2B5EF4-FFF2-40B4-BE49-F238E27FC236}">
+                <a16:creationId xmlns:a16="http://schemas.microsoft.com/office/drawing/2014/main" id="{A583E31A-9624-4991-91A0-528014D6BB82}"/>
+              </a:ext>
+            </a:extLst>
+          </p:cNvPr>
+          <p:cNvSpPr txBox="1">
+            <a:spLocks/>
+          </p:cNvSpPr>
+          <p:nvPr/>
+        </p:nvSpPr>
+        <p:spPr>
+          <a:xfrm>
+            <a:off x="838200" y="365125"/>
+            <a:ext cx="10515600" cy="1325563"/>
+          </a:xfrm>
+          <a:prstGeom prst="rect">
+            <a:avLst/>
+          </a:prstGeom>
+        </p:spPr>
+        <p:txBody>
+          <a:bodyPr/>
+          <a:lstStyle>
+            <a:lvl1pPr algn="l" defTabSz="914400" rtl="0" eaLnBrk="1" latinLnBrk="0" hangingPunct="1">
+              <a:lnSpc>
+                <a:spcPct val="90000"/>
+              </a:lnSpc>
+              <a:spcBef>
+                <a:spcPct val="0"/>
+              </a:spcBef>
+              <a:buNone/>
+              <a:defRPr sz="4400" kern="1200">
+                <a:solidFill>
+                  <a:schemeClr val="tx1"/>
+                </a:solidFill>
+                <a:latin typeface="+mj-lt"/>
+                <a:ea typeface="+mj-ea"/>
+                <a:cs typeface="+mj-cs"/>
+              </a:defRPr>
+            </a:lvl1pPr>
+          </a:lstStyle>
+          <a:p>
+            <a:endParaRPr lang="en-IN" dirty="0"/>
+          </a:p>
+        </p:txBody>
+      </p:sp>
+      <p:sp>
+        <p:nvSpPr>
+          <p:cNvPr id="4" name="Title 1">
+            <a:extLst>
+              <a:ext uri="{FF2B5EF4-FFF2-40B4-BE49-F238E27FC236}">
+                <a16:creationId xmlns:a16="http://schemas.microsoft.com/office/drawing/2014/main" id="{92342487-1CC5-4CA5-BB2D-0A25DCD56AF5}"/>
+              </a:ext>
+            </a:extLst>
+          </p:cNvPr>
+          <p:cNvSpPr txBox="1">
+            <a:spLocks/>
+          </p:cNvSpPr>
+          <p:nvPr/>
+        </p:nvSpPr>
+        <p:spPr>
+          <a:xfrm>
+            <a:off x="225083" y="510829"/>
+            <a:ext cx="11966917" cy="1325563"/>
+          </a:xfrm>
+          <a:prstGeom prst="rect">
+            <a:avLst/>
+          </a:prstGeom>
+        </p:spPr>
+        <p:txBody>
+          <a:bodyPr/>
+          <a:lstStyle>
+            <a:lvl1pPr algn="l" defTabSz="914400" rtl="0" eaLnBrk="1" latinLnBrk="0" hangingPunct="1">
+              <a:lnSpc>
+                <a:spcPct val="90000"/>
+              </a:lnSpc>
+              <a:spcBef>
+                <a:spcPct val="0"/>
+              </a:spcBef>
+              <a:buNone/>
+              <a:defRPr sz="4400" kern="1200">
+                <a:solidFill>
+                  <a:schemeClr val="tx1"/>
+                </a:solidFill>
+                <a:latin typeface="+mj-lt"/>
+                <a:ea typeface="+mj-ea"/>
+                <a:cs typeface="+mj-cs"/>
+              </a:defRPr>
+            </a:lvl1pPr>
+          </a:lstStyle>
+          <a:p>
+            <a:pPr algn="ctr"/>
+            <a:r>
+              <a:rPr lang="en-US" u="sng" dirty="0"/>
+              <a:t>Applying </a:t>
+            </a:r>
+            <a:r>
+              <a:rPr lang="en-IN" u="sng" dirty="0"/>
+              <a:t>Connectionist Temporal Classification (CTC)</a:t>
+            </a:r>
+          </a:p>
+        </p:txBody>
+      </p:sp>
+    </p:spTree>
+    <p:extLst>
+      <p:ext uri="{BB962C8B-B14F-4D97-AF65-F5344CB8AC3E}">
+        <p14:creationId xmlns:p14="http://schemas.microsoft.com/office/powerpoint/2010/main" val="1388442203"/>
+      </p:ext>
+    </p:extLst>
+  </p:cSld>
+  <p:clrMapOvr>
+    <a:masterClrMapping/>
+  </p:clrMapOvr>
+</p:sld>
+</file>
+
+<file path=ppt/slides/slide11.xml><?xml version="1.0" encoding="utf-8"?>
+<p:sld xmlns:a="http://schemas.openxmlformats.org/drawingml/2006/main" xmlns:r="http://schemas.openxmlformats.org/officeDocument/2006/relationships" xmlns:p="http://schemas.openxmlformats.org/presentationml/2006/main">
+  <p:cSld>
+    <p:spTree>
+      <p:nvGrpSpPr>
+        <p:cNvPr id="1" name=""/>
+        <p:cNvGrpSpPr/>
+        <p:nvPr/>
+      </p:nvGrpSpPr>
+      <p:grpSpPr>
+        <a:xfrm>
+          <a:off x="0" y="0"/>
+          <a:ext cx="0" cy="0"/>
+          <a:chOff x="0" y="0"/>
+          <a:chExt cx="0" cy="0"/>
+        </a:xfrm>
+      </p:grpSpPr>
+      <p:pic>
+        <p:nvPicPr>
+          <p:cNvPr id="2" name="Picture 1">
+            <a:extLst>
+              <a:ext uri="{FF2B5EF4-FFF2-40B4-BE49-F238E27FC236}">
+                <a16:creationId xmlns:a16="http://schemas.microsoft.com/office/drawing/2014/main" id="{E8BC487F-EC32-4FF8-B04D-70B5A3D89AE3}"/>
+              </a:ext>
+            </a:extLst>
+          </p:cNvPr>
+          <p:cNvPicPr>
+            <a:picLocks noChangeAspect="1"/>
+          </p:cNvPicPr>
+          <p:nvPr/>
+        </p:nvPicPr>
+        <p:blipFill>
+          <a:blip r:embed="rId2"/>
+          <a:stretch>
+            <a:fillRect/>
+          </a:stretch>
+        </p:blipFill>
+        <p:spPr>
+          <a:xfrm>
+            <a:off x="1628775" y="1690688"/>
+            <a:ext cx="8934450" cy="1514475"/>
+          </a:xfrm>
+          <a:prstGeom prst="rect">
+            <a:avLst/>
+          </a:prstGeom>
+        </p:spPr>
+      </p:pic>
+      <p:sp>
+        <p:nvSpPr>
+          <p:cNvPr id="3" name="Title 1">
+            <a:extLst>
+              <a:ext uri="{FF2B5EF4-FFF2-40B4-BE49-F238E27FC236}">
+                <a16:creationId xmlns:a16="http://schemas.microsoft.com/office/drawing/2014/main" id="{A5A7457F-E01E-4490-8E33-29F8BB7AB80A}"/>
+              </a:ext>
+            </a:extLst>
+          </p:cNvPr>
+          <p:cNvSpPr txBox="1">
+            <a:spLocks/>
+          </p:cNvSpPr>
+          <p:nvPr/>
+        </p:nvSpPr>
+        <p:spPr>
+          <a:xfrm>
+            <a:off x="838200" y="365125"/>
+            <a:ext cx="10515600" cy="1325563"/>
+          </a:xfrm>
+          <a:prstGeom prst="rect">
+            <a:avLst/>
+          </a:prstGeom>
+        </p:spPr>
+        <p:txBody>
+          <a:bodyPr/>
+          <a:lstStyle>
+            <a:lvl1pPr algn="l" defTabSz="914400" rtl="0" eaLnBrk="1" latinLnBrk="0" hangingPunct="1">
+              <a:lnSpc>
+                <a:spcPct val="90000"/>
+              </a:lnSpc>
+              <a:spcBef>
+                <a:spcPct val="0"/>
+              </a:spcBef>
+              <a:buNone/>
+              <a:defRPr sz="4400" kern="1200">
+                <a:solidFill>
+                  <a:schemeClr val="tx1"/>
+                </a:solidFill>
+                <a:latin typeface="+mj-lt"/>
+                <a:ea typeface="+mj-ea"/>
+                <a:cs typeface="+mj-cs"/>
+              </a:defRPr>
+            </a:lvl1pPr>
+          </a:lstStyle>
+          <a:p>
+            <a:pPr algn="ctr"/>
+            <a:r>
+              <a:rPr lang="en-US" u="sng" dirty="0"/>
+              <a:t>Language Model – N Gram</a:t>
+            </a:r>
+            <a:endParaRPr lang="en-IN" u="sng" dirty="0"/>
+          </a:p>
+        </p:txBody>
+      </p:sp>
+      <p:sp>
+        <p:nvSpPr>
+          <p:cNvPr id="4" name="TextBox 3">
+            <a:extLst>
+              <a:ext uri="{FF2B5EF4-FFF2-40B4-BE49-F238E27FC236}">
+                <a16:creationId xmlns:a16="http://schemas.microsoft.com/office/drawing/2014/main" id="{5F4D5AD9-CBD2-476D-AEEF-634F52972E5A}"/>
+              </a:ext>
+            </a:extLst>
+          </p:cNvPr>
+          <p:cNvSpPr txBox="1"/>
+          <p:nvPr/>
+        </p:nvSpPr>
+        <p:spPr>
+          <a:xfrm>
+            <a:off x="1192697" y="4009334"/>
+            <a:ext cx="10694504" cy="1938992"/>
+          </a:xfrm>
+          <a:prstGeom prst="rect">
+            <a:avLst/>
+          </a:prstGeom>
+          <a:noFill/>
+        </p:spPr>
+        <p:txBody>
+          <a:bodyPr wrap="square" rtlCol="0">
+            <a:spAutoFit/>
+          </a:bodyPr>
+          <a:lstStyle/>
+          <a:p>
+            <a:r>
+              <a:rPr lang="en-US" sz="2000" dirty="0"/>
+              <a:t>●  Why we have these errors?</a:t>
+            </a:r>
+          </a:p>
+          <a:p>
+            <a:r>
+              <a:rPr lang="en-US" sz="2000" dirty="0"/>
+              <a:t>    Words rarely or never appear in the training sets</a:t>
+            </a:r>
+          </a:p>
+          <a:p>
+            <a:r>
+              <a:rPr lang="en-US" sz="2000" dirty="0"/>
+              <a:t> </a:t>
+            </a:r>
+          </a:p>
+          <a:p>
+            <a:r>
+              <a:rPr lang="en-US" sz="2000" dirty="0"/>
+              <a:t>●  Solution: N-gram language model</a:t>
+            </a:r>
+          </a:p>
+          <a:p>
+            <a:r>
+              <a:rPr lang="en-US" sz="2000" dirty="0"/>
+              <a:t>     Easily trained from huge unlabeled text corpora</a:t>
+            </a:r>
+          </a:p>
+          <a:p>
+            <a:endParaRPr lang="en-IN" sz="2000" dirty="0"/>
+          </a:p>
+        </p:txBody>
+      </p:sp>
+    </p:spTree>
+    <p:extLst>
+      <p:ext uri="{BB962C8B-B14F-4D97-AF65-F5344CB8AC3E}">
+        <p14:creationId xmlns:p14="http://schemas.microsoft.com/office/powerpoint/2010/main" val="967778141"/>
+      </p:ext>
+    </p:extLst>
+  </p:cSld>
+  <p:clrMapOvr>
+    <a:masterClrMapping/>
+  </p:clrMapOvr>
+</p:sld>
+</file>
+
+<file path=ppt/slides/slide12.xml><?xml version="1.0" encoding="utf-8"?>
+<p:sld xmlns:a="http://schemas.openxmlformats.org/drawingml/2006/main" xmlns:r="http://schemas.openxmlformats.org/officeDocument/2006/relationships" xmlns:p="http://schemas.openxmlformats.org/presentationml/2006/main">
+  <p:cSld>
+    <p:spTree>
+      <p:nvGrpSpPr>
+        <p:cNvPr id="1" name=""/>
+        <p:cNvGrpSpPr/>
+        <p:nvPr/>
+      </p:nvGrpSpPr>
+      <p:grpSpPr>
+        <a:xfrm>
+          <a:off x="0" y="0"/>
+          <a:ext cx="0" cy="0"/>
+          <a:chOff x="0" y="0"/>
+          <a:chExt cx="0" cy="0"/>
+        </a:xfrm>
+      </p:grpSpPr>
       <p:sp>
         <p:nvSpPr>
           <p:cNvPr id="3" name="Title 1">
@@ -3761,7 +4105,7 @@
 </p:sld>
 </file>
 
-<file path=ppt/slides/slide11.xml><?xml version="1.0" encoding="utf-8"?>
+<file path=ppt/slides/slide13.xml><?xml version="1.0" encoding="utf-8"?>
 <p:sld xmlns:a="http://schemas.openxmlformats.org/drawingml/2006/main" xmlns:r="http://schemas.openxmlformats.org/officeDocument/2006/relationships" xmlns:p="http://schemas.openxmlformats.org/presentationml/2006/main">
   <p:cSld>
     <p:bg>
@@ -3924,6 +4268,184 @@
 <file path=ppt/slides/slide2.xml><?xml version="1.0" encoding="utf-8"?>
 <p:sld xmlns:a="http://schemas.openxmlformats.org/drawingml/2006/main" xmlns:r="http://schemas.openxmlformats.org/officeDocument/2006/relationships" xmlns:p="http://schemas.openxmlformats.org/presentationml/2006/main">
   <p:cSld>
+    <p:spTree>
+      <p:nvGrpSpPr>
+        <p:cNvPr id="1" name=""/>
+        <p:cNvGrpSpPr/>
+        <p:nvPr/>
+      </p:nvGrpSpPr>
+      <p:grpSpPr>
+        <a:xfrm>
+          <a:off x="0" y="0"/>
+          <a:ext cx="0" cy="0"/>
+          <a:chOff x="0" y="0"/>
+          <a:chExt cx="0" cy="0"/>
+        </a:xfrm>
+      </p:grpSpPr>
+      <p:sp>
+        <p:nvSpPr>
+          <p:cNvPr id="2" name="Title 1">
+            <a:extLst>
+              <a:ext uri="{FF2B5EF4-FFF2-40B4-BE49-F238E27FC236}">
+                <a16:creationId xmlns:a16="http://schemas.microsoft.com/office/drawing/2014/main" id="{7710C9A4-5718-48B1-AB17-49800D652B6B}"/>
+              </a:ext>
+            </a:extLst>
+          </p:cNvPr>
+          <p:cNvSpPr>
+            <a:spLocks noGrp="1"/>
+          </p:cNvSpPr>
+          <p:nvPr>
+            <p:ph type="title"/>
+          </p:nvPr>
+        </p:nvSpPr>
+        <p:spPr/>
+        <p:txBody>
+          <a:bodyPr/>
+          <a:lstStyle/>
+          <a:p>
+            <a:endParaRPr lang="en-IN"/>
+          </a:p>
+        </p:txBody>
+      </p:sp>
+      <p:pic>
+        <p:nvPicPr>
+          <p:cNvPr id="4" name="Content Placeholder 3">
+            <a:extLst>
+              <a:ext uri="{FF2B5EF4-FFF2-40B4-BE49-F238E27FC236}">
+                <a16:creationId xmlns:a16="http://schemas.microsoft.com/office/drawing/2014/main" id="{C525AD35-2DE6-49A3-871E-B0EC1BF7C285}"/>
+              </a:ext>
+            </a:extLst>
+          </p:cNvPr>
+          <p:cNvPicPr>
+            <a:picLocks noGrp="1" noChangeAspect="1"/>
+          </p:cNvPicPr>
+          <p:nvPr>
+            <p:ph idx="1"/>
+          </p:nvPr>
+        </p:nvPicPr>
+        <p:blipFill>
+          <a:blip r:embed="rId2"/>
+          <a:stretch>
+            <a:fillRect/>
+          </a:stretch>
+        </p:blipFill>
+        <p:spPr>
+          <a:xfrm>
+            <a:off x="1876425" y="3020219"/>
+            <a:ext cx="8439150" cy="1962150"/>
+          </a:xfrm>
+          <a:prstGeom prst="rect">
+            <a:avLst/>
+          </a:prstGeom>
+        </p:spPr>
+      </p:pic>
+    </p:spTree>
+    <p:extLst>
+      <p:ext uri="{BB962C8B-B14F-4D97-AF65-F5344CB8AC3E}">
+        <p14:creationId xmlns:p14="http://schemas.microsoft.com/office/powerpoint/2010/main" val="2440864574"/>
+      </p:ext>
+    </p:extLst>
+  </p:cSld>
+  <p:clrMapOvr>
+    <a:masterClrMapping/>
+  </p:clrMapOvr>
+</p:sld>
+</file>
+
+<file path=ppt/slides/slide3.xml><?xml version="1.0" encoding="utf-8"?>
+<p:sld xmlns:a="http://schemas.openxmlformats.org/drawingml/2006/main" xmlns:r="http://schemas.openxmlformats.org/officeDocument/2006/relationships" xmlns:p="http://schemas.openxmlformats.org/presentationml/2006/main">
+  <p:cSld>
+    <p:spTree>
+      <p:nvGrpSpPr>
+        <p:cNvPr id="1" name=""/>
+        <p:cNvGrpSpPr/>
+        <p:nvPr/>
+      </p:nvGrpSpPr>
+      <p:grpSpPr>
+        <a:xfrm>
+          <a:off x="0" y="0"/>
+          <a:ext cx="0" cy="0"/>
+          <a:chOff x="0" y="0"/>
+          <a:chExt cx="0" cy="0"/>
+        </a:xfrm>
+      </p:grpSpPr>
+      <p:sp>
+        <p:nvSpPr>
+          <p:cNvPr id="2" name="Title 1">
+            <a:extLst>
+              <a:ext uri="{FF2B5EF4-FFF2-40B4-BE49-F238E27FC236}">
+                <a16:creationId xmlns:a16="http://schemas.microsoft.com/office/drawing/2014/main" id="{621B71B9-438A-405D-8A35-E83DA9B46E9D}"/>
+              </a:ext>
+            </a:extLst>
+          </p:cNvPr>
+          <p:cNvSpPr>
+            <a:spLocks noGrp="1"/>
+          </p:cNvSpPr>
+          <p:nvPr>
+            <p:ph type="title"/>
+          </p:nvPr>
+        </p:nvSpPr>
+        <p:spPr/>
+        <p:txBody>
+          <a:bodyPr/>
+          <a:lstStyle/>
+          <a:p>
+            <a:r>
+              <a:rPr lang="en-IN" dirty="0"/>
+              <a:t>http://www.openslr.org/12/</a:t>
+            </a:r>
+          </a:p>
+        </p:txBody>
+      </p:sp>
+      <p:sp>
+        <p:nvSpPr>
+          <p:cNvPr id="3" name="Content Placeholder 2">
+            <a:extLst>
+              <a:ext uri="{FF2B5EF4-FFF2-40B4-BE49-F238E27FC236}">
+                <a16:creationId xmlns:a16="http://schemas.microsoft.com/office/drawing/2014/main" id="{EA9470F0-C5F5-4C74-A0BF-0A4313CF5684}"/>
+              </a:ext>
+            </a:extLst>
+          </p:cNvPr>
+          <p:cNvSpPr>
+            <a:spLocks noGrp="1"/>
+          </p:cNvSpPr>
+          <p:nvPr>
+            <p:ph idx="1"/>
+          </p:nvPr>
+        </p:nvSpPr>
+        <p:spPr/>
+        <p:txBody>
+          <a:bodyPr/>
+          <a:lstStyle/>
+          <a:p>
+            <a:r>
+              <a:rPr lang="en-US" dirty="0" err="1"/>
+              <a:t>LibriSpeech</a:t>
+            </a:r>
+            <a:r>
+              <a:rPr lang="en-US" dirty="0"/>
+              <a:t> ASR corpus</a:t>
+            </a:r>
+            <a:endParaRPr lang="en-IN" dirty="0"/>
+          </a:p>
+        </p:txBody>
+      </p:sp>
+    </p:spTree>
+    <p:extLst>
+      <p:ext uri="{BB962C8B-B14F-4D97-AF65-F5344CB8AC3E}">
+        <p14:creationId xmlns:p14="http://schemas.microsoft.com/office/powerpoint/2010/main" val="1738395947"/>
+      </p:ext>
+    </p:extLst>
+  </p:cSld>
+  <p:clrMapOvr>
+    <a:masterClrMapping/>
+  </p:clrMapOvr>
+</p:sld>
+</file>
+
+<file path=ppt/slides/slide4.xml><?xml version="1.0" encoding="utf-8"?>
+<p:sld xmlns:a="http://schemas.openxmlformats.org/drawingml/2006/main" xmlns:r="http://schemas.openxmlformats.org/officeDocument/2006/relationships" xmlns:p="http://schemas.openxmlformats.org/presentationml/2006/main">
+  <p:cSld>
     <p:bg>
       <p:bgPr>
         <a:solidFill>
@@ -4183,7 +4705,7 @@
 </p:sld>
 </file>
 
-<file path=ppt/slides/slide3.xml><?xml version="1.0" encoding="utf-8"?>
+<file path=ppt/slides/slide5.xml><?xml version="1.0" encoding="utf-8"?>
 <p:sld xmlns:a="http://schemas.openxmlformats.org/drawingml/2006/main" xmlns:r="http://schemas.openxmlformats.org/officeDocument/2006/relationships" xmlns:p="http://schemas.openxmlformats.org/presentationml/2006/main">
   <p:cSld>
     <p:spTree>
@@ -4422,7 +4944,7 @@
 </p:sld>
 </file>
 
-<file path=ppt/slides/slide4.xml><?xml version="1.0" encoding="utf-8"?>
+<file path=ppt/slides/slide6.xml><?xml version="1.0" encoding="utf-8"?>
 <p:sld xmlns:a="http://schemas.openxmlformats.org/drawingml/2006/main" xmlns:r="http://schemas.openxmlformats.org/officeDocument/2006/relationships" xmlns:p="http://schemas.openxmlformats.org/presentationml/2006/main">
   <p:cSld>
     <p:spTree>
@@ -4590,7 +5112,7 @@
 </p:sld>
 </file>
 
-<file path=ppt/slides/slide5.xml><?xml version="1.0" encoding="utf-8"?>
+<file path=ppt/slides/slide7.xml><?xml version="1.0" encoding="utf-8"?>
 <p:sld xmlns:a="http://schemas.openxmlformats.org/drawingml/2006/main" xmlns:r="http://schemas.openxmlformats.org/officeDocument/2006/relationships" xmlns:p="http://schemas.openxmlformats.org/presentationml/2006/main">
   <p:cSld>
     <p:bg>
@@ -4719,7 +5241,7 @@
 </p:sld>
 </file>
 
-<file path=ppt/slides/slide6.xml><?xml version="1.0" encoding="utf-8"?>
+<file path=ppt/slides/slide8.xml><?xml version="1.0" encoding="utf-8"?>
 <p:sld xmlns:a="http://schemas.openxmlformats.org/drawingml/2006/main" xmlns:r="http://schemas.openxmlformats.org/officeDocument/2006/relationships" xmlns:p="http://schemas.openxmlformats.org/presentationml/2006/main">
   <p:cSld>
     <p:spTree>
@@ -4922,7 +5444,7 @@
 </p:sld>
 </file>
 
-<file path=ppt/slides/slide7.xml><?xml version="1.0" encoding="utf-8"?>
+<file path=ppt/slides/slide9.xml><?xml version="1.0" encoding="utf-8"?>
 <p:sld xmlns:a="http://schemas.openxmlformats.org/drawingml/2006/main" xmlns:r="http://schemas.openxmlformats.org/officeDocument/2006/relationships" xmlns:p="http://schemas.openxmlformats.org/presentationml/2006/main">
   <p:cSld>
     <p:spTree>
@@ -5003,348 +5525,6 @@
     <p:extLst>
       <p:ext uri="{BB962C8B-B14F-4D97-AF65-F5344CB8AC3E}">
         <p14:creationId xmlns:p14="http://schemas.microsoft.com/office/powerpoint/2010/main" val="273796643"/>
-      </p:ext>
-    </p:extLst>
-  </p:cSld>
-  <p:clrMapOvr>
-    <a:masterClrMapping/>
-  </p:clrMapOvr>
-</p:sld>
-</file>
-
-<file path=ppt/slides/slide8.xml><?xml version="1.0" encoding="utf-8"?>
-<p:sld xmlns:a="http://schemas.openxmlformats.org/drawingml/2006/main" xmlns:r="http://schemas.openxmlformats.org/officeDocument/2006/relationships" xmlns:p="http://schemas.openxmlformats.org/presentationml/2006/main">
-  <p:cSld>
-    <p:spTree>
-      <p:nvGrpSpPr>
-        <p:cNvPr id="1" name=""/>
-        <p:cNvGrpSpPr/>
-        <p:nvPr/>
-      </p:nvGrpSpPr>
-      <p:grpSpPr>
-        <a:xfrm>
-          <a:off x="0" y="0"/>
-          <a:ext cx="0" cy="0"/>
-          <a:chOff x="0" y="0"/>
-          <a:chExt cx="0" cy="0"/>
-        </a:xfrm>
-      </p:grpSpPr>
-      <p:pic>
-        <p:nvPicPr>
-          <p:cNvPr id="2" name="Picture 1">
-            <a:extLst>
-              <a:ext uri="{FF2B5EF4-FFF2-40B4-BE49-F238E27FC236}">
-                <a16:creationId xmlns:a16="http://schemas.microsoft.com/office/drawing/2014/main" id="{50A2AFBC-4CD8-4216-8EEF-5CFFF4CA2780}"/>
-              </a:ext>
-            </a:extLst>
-          </p:cNvPr>
-          <p:cNvPicPr>
-            <a:picLocks noChangeAspect="1"/>
-          </p:cNvPicPr>
-          <p:nvPr/>
-        </p:nvPicPr>
-        <p:blipFill>
-          <a:blip r:embed="rId2"/>
-          <a:stretch>
-            <a:fillRect/>
-          </a:stretch>
-        </p:blipFill>
-        <p:spPr>
-          <a:xfrm>
-            <a:off x="2461425" y="1836392"/>
-            <a:ext cx="8272688" cy="4656483"/>
-          </a:xfrm>
-          <a:prstGeom prst="rect">
-            <a:avLst/>
-          </a:prstGeom>
-        </p:spPr>
-      </p:pic>
-      <p:sp>
-        <p:nvSpPr>
-          <p:cNvPr id="3" name="Title 1">
-            <a:extLst>
-              <a:ext uri="{FF2B5EF4-FFF2-40B4-BE49-F238E27FC236}">
-                <a16:creationId xmlns:a16="http://schemas.microsoft.com/office/drawing/2014/main" id="{A583E31A-9624-4991-91A0-528014D6BB82}"/>
-              </a:ext>
-            </a:extLst>
-          </p:cNvPr>
-          <p:cNvSpPr txBox="1">
-            <a:spLocks/>
-          </p:cNvSpPr>
-          <p:nvPr/>
-        </p:nvSpPr>
-        <p:spPr>
-          <a:xfrm>
-            <a:off x="838200" y="365125"/>
-            <a:ext cx="10515600" cy="1325563"/>
-          </a:xfrm>
-          <a:prstGeom prst="rect">
-            <a:avLst/>
-          </a:prstGeom>
-        </p:spPr>
-        <p:txBody>
-          <a:bodyPr/>
-          <a:lstStyle>
-            <a:lvl1pPr algn="l" defTabSz="914400" rtl="0" eaLnBrk="1" latinLnBrk="0" hangingPunct="1">
-              <a:lnSpc>
-                <a:spcPct val="90000"/>
-              </a:lnSpc>
-              <a:spcBef>
-                <a:spcPct val="0"/>
-              </a:spcBef>
-              <a:buNone/>
-              <a:defRPr sz="4400" kern="1200">
-                <a:solidFill>
-                  <a:schemeClr val="tx1"/>
-                </a:solidFill>
-                <a:latin typeface="+mj-lt"/>
-                <a:ea typeface="+mj-ea"/>
-                <a:cs typeface="+mj-cs"/>
-              </a:defRPr>
-            </a:lvl1pPr>
-          </a:lstStyle>
-          <a:p>
-            <a:endParaRPr lang="en-IN" dirty="0"/>
-          </a:p>
-        </p:txBody>
-      </p:sp>
-      <p:sp>
-        <p:nvSpPr>
-          <p:cNvPr id="4" name="Title 1">
-            <a:extLst>
-              <a:ext uri="{FF2B5EF4-FFF2-40B4-BE49-F238E27FC236}">
-                <a16:creationId xmlns:a16="http://schemas.microsoft.com/office/drawing/2014/main" id="{92342487-1CC5-4CA5-BB2D-0A25DCD56AF5}"/>
-              </a:ext>
-            </a:extLst>
-          </p:cNvPr>
-          <p:cNvSpPr txBox="1">
-            <a:spLocks/>
-          </p:cNvSpPr>
-          <p:nvPr/>
-        </p:nvSpPr>
-        <p:spPr>
-          <a:xfrm>
-            <a:off x="225083" y="510829"/>
-            <a:ext cx="11966917" cy="1325563"/>
-          </a:xfrm>
-          <a:prstGeom prst="rect">
-            <a:avLst/>
-          </a:prstGeom>
-        </p:spPr>
-        <p:txBody>
-          <a:bodyPr/>
-          <a:lstStyle>
-            <a:lvl1pPr algn="l" defTabSz="914400" rtl="0" eaLnBrk="1" latinLnBrk="0" hangingPunct="1">
-              <a:lnSpc>
-                <a:spcPct val="90000"/>
-              </a:lnSpc>
-              <a:spcBef>
-                <a:spcPct val="0"/>
-              </a:spcBef>
-              <a:buNone/>
-              <a:defRPr sz="4400" kern="1200">
-                <a:solidFill>
-                  <a:schemeClr val="tx1"/>
-                </a:solidFill>
-                <a:latin typeface="+mj-lt"/>
-                <a:ea typeface="+mj-ea"/>
-                <a:cs typeface="+mj-cs"/>
-              </a:defRPr>
-            </a:lvl1pPr>
-          </a:lstStyle>
-          <a:p>
-            <a:pPr algn="ctr"/>
-            <a:r>
-              <a:rPr lang="en-US" u="sng" dirty="0"/>
-              <a:t>Applying </a:t>
-            </a:r>
-            <a:r>
-              <a:rPr lang="en-IN" u="sng" dirty="0"/>
-              <a:t>Connectionist Temporal Classification (CTC)</a:t>
-            </a:r>
-          </a:p>
-        </p:txBody>
-      </p:sp>
-    </p:spTree>
-    <p:extLst>
-      <p:ext uri="{BB962C8B-B14F-4D97-AF65-F5344CB8AC3E}">
-        <p14:creationId xmlns:p14="http://schemas.microsoft.com/office/powerpoint/2010/main" val="1388442203"/>
-      </p:ext>
-    </p:extLst>
-  </p:cSld>
-  <p:clrMapOvr>
-    <a:masterClrMapping/>
-  </p:clrMapOvr>
-</p:sld>
-</file>
-
-<file path=ppt/slides/slide9.xml><?xml version="1.0" encoding="utf-8"?>
-<p:sld xmlns:a="http://schemas.openxmlformats.org/drawingml/2006/main" xmlns:r="http://schemas.openxmlformats.org/officeDocument/2006/relationships" xmlns:p="http://schemas.openxmlformats.org/presentationml/2006/main">
-  <p:cSld>
-    <p:spTree>
-      <p:nvGrpSpPr>
-        <p:cNvPr id="1" name=""/>
-        <p:cNvGrpSpPr/>
-        <p:nvPr/>
-      </p:nvGrpSpPr>
-      <p:grpSpPr>
-        <a:xfrm>
-          <a:off x="0" y="0"/>
-          <a:ext cx="0" cy="0"/>
-          <a:chOff x="0" y="0"/>
-          <a:chExt cx="0" cy="0"/>
-        </a:xfrm>
-      </p:grpSpPr>
-      <p:pic>
-        <p:nvPicPr>
-          <p:cNvPr id="2" name="Picture 1">
-            <a:extLst>
-              <a:ext uri="{FF2B5EF4-FFF2-40B4-BE49-F238E27FC236}">
-                <a16:creationId xmlns:a16="http://schemas.microsoft.com/office/drawing/2014/main" id="{E8BC487F-EC32-4FF8-B04D-70B5A3D89AE3}"/>
-              </a:ext>
-            </a:extLst>
-          </p:cNvPr>
-          <p:cNvPicPr>
-            <a:picLocks noChangeAspect="1"/>
-          </p:cNvPicPr>
-          <p:nvPr/>
-        </p:nvPicPr>
-        <p:blipFill>
-          <a:blip r:embed="rId2"/>
-          <a:stretch>
-            <a:fillRect/>
-          </a:stretch>
-        </p:blipFill>
-        <p:spPr>
-          <a:xfrm>
-            <a:off x="1628775" y="1690688"/>
-            <a:ext cx="8934450" cy="1514475"/>
-          </a:xfrm>
-          <a:prstGeom prst="rect">
-            <a:avLst/>
-          </a:prstGeom>
-        </p:spPr>
-      </p:pic>
-      <p:sp>
-        <p:nvSpPr>
-          <p:cNvPr id="3" name="Title 1">
-            <a:extLst>
-              <a:ext uri="{FF2B5EF4-FFF2-40B4-BE49-F238E27FC236}">
-                <a16:creationId xmlns:a16="http://schemas.microsoft.com/office/drawing/2014/main" id="{A5A7457F-E01E-4490-8E33-29F8BB7AB80A}"/>
-              </a:ext>
-            </a:extLst>
-          </p:cNvPr>
-          <p:cNvSpPr txBox="1">
-            <a:spLocks/>
-          </p:cNvSpPr>
-          <p:nvPr/>
-        </p:nvSpPr>
-        <p:spPr>
-          <a:xfrm>
-            <a:off x="838200" y="365125"/>
-            <a:ext cx="10515600" cy="1325563"/>
-          </a:xfrm>
-          <a:prstGeom prst="rect">
-            <a:avLst/>
-          </a:prstGeom>
-        </p:spPr>
-        <p:txBody>
-          <a:bodyPr/>
-          <a:lstStyle>
-            <a:lvl1pPr algn="l" defTabSz="914400" rtl="0" eaLnBrk="1" latinLnBrk="0" hangingPunct="1">
-              <a:lnSpc>
-                <a:spcPct val="90000"/>
-              </a:lnSpc>
-              <a:spcBef>
-                <a:spcPct val="0"/>
-              </a:spcBef>
-              <a:buNone/>
-              <a:defRPr sz="4400" kern="1200">
-                <a:solidFill>
-                  <a:schemeClr val="tx1"/>
-                </a:solidFill>
-                <a:latin typeface="+mj-lt"/>
-                <a:ea typeface="+mj-ea"/>
-                <a:cs typeface="+mj-cs"/>
-              </a:defRPr>
-            </a:lvl1pPr>
-          </a:lstStyle>
-          <a:p>
-            <a:pPr algn="ctr"/>
-            <a:r>
-              <a:rPr lang="en-US" u="sng" dirty="0"/>
-              <a:t>Language Model – N Gram</a:t>
-            </a:r>
-            <a:endParaRPr lang="en-IN" u="sng" dirty="0"/>
-          </a:p>
-        </p:txBody>
-      </p:sp>
-      <p:sp>
-        <p:nvSpPr>
-          <p:cNvPr id="4" name="TextBox 3">
-            <a:extLst>
-              <a:ext uri="{FF2B5EF4-FFF2-40B4-BE49-F238E27FC236}">
-                <a16:creationId xmlns:a16="http://schemas.microsoft.com/office/drawing/2014/main" id="{5F4D5AD9-CBD2-476D-AEEF-634F52972E5A}"/>
-              </a:ext>
-            </a:extLst>
-          </p:cNvPr>
-          <p:cNvSpPr txBox="1"/>
-          <p:nvPr/>
-        </p:nvSpPr>
-        <p:spPr>
-          <a:xfrm>
-            <a:off x="1192697" y="4009334"/>
-            <a:ext cx="10694504" cy="1938992"/>
-          </a:xfrm>
-          <a:prstGeom prst="rect">
-            <a:avLst/>
-          </a:prstGeom>
-          <a:noFill/>
-        </p:spPr>
-        <p:txBody>
-          <a:bodyPr wrap="square" rtlCol="0">
-            <a:spAutoFit/>
-          </a:bodyPr>
-          <a:lstStyle/>
-          <a:p>
-            <a:r>
-              <a:rPr lang="en-US" sz="2000" dirty="0"/>
-              <a:t>●  Why we have these errors?</a:t>
-            </a:r>
-          </a:p>
-          <a:p>
-            <a:r>
-              <a:rPr lang="en-US" sz="2000" dirty="0"/>
-              <a:t>    Words rarely or never appear in the training sets</a:t>
-            </a:r>
-          </a:p>
-          <a:p>
-            <a:r>
-              <a:rPr lang="en-US" sz="2000" dirty="0"/>
-              <a:t> </a:t>
-            </a:r>
-          </a:p>
-          <a:p>
-            <a:r>
-              <a:rPr lang="en-US" sz="2000" dirty="0"/>
-              <a:t>●  Solution: N-gram language model</a:t>
-            </a:r>
-          </a:p>
-          <a:p>
-            <a:r>
-              <a:rPr lang="en-US" sz="2000" dirty="0"/>
-              <a:t>     Easily trained from huge unlabeled text corpora</a:t>
-            </a:r>
-          </a:p>
-          <a:p>
-            <a:endParaRPr lang="en-IN" sz="2000" dirty="0"/>
-          </a:p>
-        </p:txBody>
-      </p:sp>
-    </p:spTree>
-    <p:extLst>
-      <p:ext uri="{BB962C8B-B14F-4D97-AF65-F5344CB8AC3E}">
-        <p14:creationId xmlns:p14="http://schemas.microsoft.com/office/powerpoint/2010/main" val="967778141"/>
       </p:ext>
     </p:extLst>
   </p:cSld>
